--- a/Griffard_Final_HDSC824.pptx
+++ b/Griffard_Final_HDSC824.pptx
@@ -6,11 +6,12 @@
   </p:sldMasterIdLst>
   <p:sldIdLst>
     <p:sldId id="256" r:id="rId2"/>
-    <p:sldId id="257" r:id="rId3"/>
-    <p:sldId id="258" r:id="rId4"/>
-    <p:sldId id="259" r:id="rId5"/>
-    <p:sldId id="260" r:id="rId6"/>
-    <p:sldId id="261" r:id="rId7"/>
+    <p:sldId id="262" r:id="rId3"/>
+    <p:sldId id="257" r:id="rId4"/>
+    <p:sldId id="258" r:id="rId5"/>
+    <p:sldId id="259" r:id="rId6"/>
+    <p:sldId id="260" r:id="rId7"/>
+    <p:sldId id="261" r:id="rId8"/>
   </p:sldIdLst>
   <p:sldSz cx="12192000" cy="6858000"/>
   <p:notesSz cx="6858000" cy="9144000"/>
@@ -117,23 +118,31 @@
 </p:presentation>
 </file>
 
+<file path=ppt/revisionInfo.xml><?xml version="1.0" encoding="utf-8"?>
+<p1510:revInfo xmlns:a="http://schemas.openxmlformats.org/drawingml/2006/main" xmlns:r="http://schemas.openxmlformats.org/officeDocument/2006/relationships" xmlns:p1510="http://schemas.microsoft.com/office/powerpoint/2015/10/main">
+  <p1510:revLst>
+    <p1510:client id="{5C328447-417B-4731-8F30-DE1C35E71289}" v="1" dt="2023-11-29T18:55:05.913"/>
+  </p1510:revLst>
+</p1510:revInfo>
+</file>
+
 <file path=ppt/changesInfos/changesInfo1.xml><?xml version="1.0" encoding="utf-8"?>
 <pc:chgInfo xmlns:a="http://schemas.openxmlformats.org/drawingml/2006/main" xmlns:r="http://schemas.openxmlformats.org/officeDocument/2006/relationships" xmlns:ac="http://schemas.microsoft.com/office/drawing/2013/main/command" xmlns:pc="http://schemas.microsoft.com/office/powerpoint/2013/main/command">
   <pc:docChgLst>
     <pc:chgData name="Rachel Griffard" userId="d3e6f5e3dddc052f" providerId="LiveId" clId="{5C328447-417B-4731-8F30-DE1C35E71289}"/>
     <pc:docChg chg="undo custSel addSld delSld modSld">
-      <pc:chgData name="Rachel Griffard" userId="d3e6f5e3dddc052f" providerId="LiveId" clId="{5C328447-417B-4731-8F30-DE1C35E71289}" dt="2023-11-29T18:46:22.529" v="2175" actId="20577"/>
+      <pc:chgData name="Rachel Griffard" userId="d3e6f5e3dddc052f" providerId="LiveId" clId="{5C328447-417B-4731-8F30-DE1C35E71289}" dt="2023-11-29T18:54:55.134" v="2336"/>
       <pc:docMkLst>
         <pc:docMk/>
       </pc:docMkLst>
-      <pc:sldChg chg="modSp new mod">
-        <pc:chgData name="Rachel Griffard" userId="d3e6f5e3dddc052f" providerId="LiveId" clId="{5C328447-417B-4731-8F30-DE1C35E71289}" dt="2023-11-29T18:46:22.529" v="2175" actId="20577"/>
+      <pc:sldChg chg="addSp delSp modSp new mod">
+        <pc:chgData name="Rachel Griffard" userId="d3e6f5e3dddc052f" providerId="LiveId" clId="{5C328447-417B-4731-8F30-DE1C35E71289}" dt="2023-11-29T18:54:21.900" v="2182" actId="478"/>
         <pc:sldMkLst>
           <pc:docMk/>
           <pc:sldMk cId="1439886047" sldId="256"/>
         </pc:sldMkLst>
         <pc:spChg chg="mod">
-          <ac:chgData name="Rachel Griffard" userId="d3e6f5e3dddc052f" providerId="LiveId" clId="{5C328447-417B-4731-8F30-DE1C35E71289}" dt="2023-11-29T18:46:22.529" v="2175" actId="20577"/>
+          <ac:chgData name="Rachel Griffard" userId="d3e6f5e3dddc052f" providerId="LiveId" clId="{5C328447-417B-4731-8F30-DE1C35E71289}" dt="2023-11-29T18:54:10.510" v="2177" actId="14100"/>
           <ac:spMkLst>
             <pc:docMk/>
             <pc:sldMk cId="1439886047" sldId="256"/>
@@ -146,6 +155,14 @@
             <pc:docMk/>
             <pc:sldMk cId="1439886047" sldId="256"/>
             <ac:spMk id="3" creationId="{826B8DAB-8850-ACB2-4003-50EB2C366A9F}"/>
+          </ac:spMkLst>
+        </pc:spChg>
+        <pc:spChg chg="add del mod">
+          <ac:chgData name="Rachel Griffard" userId="d3e6f5e3dddc052f" providerId="LiveId" clId="{5C328447-417B-4731-8F30-DE1C35E71289}" dt="2023-11-29T18:54:21.900" v="2182" actId="478"/>
+          <ac:spMkLst>
+            <pc:docMk/>
+            <pc:sldMk cId="1439886047" sldId="256"/>
+            <ac:spMk id="5" creationId="{8AD1BE8C-6BD0-AF37-AA83-83F9365DF6F7}"/>
           </ac:spMkLst>
         </pc:spChg>
       </pc:sldChg>
@@ -278,6 +295,29 @@
           <pc:docMk/>
           <pc:sldMk cId="2321322570" sldId="261"/>
         </pc:sldMkLst>
+      </pc:sldChg>
+      <pc:sldChg chg="modSp new mod">
+        <pc:chgData name="Rachel Griffard" userId="d3e6f5e3dddc052f" providerId="LiveId" clId="{5C328447-417B-4731-8F30-DE1C35E71289}" dt="2023-11-29T18:54:55.134" v="2336"/>
+        <pc:sldMkLst>
+          <pc:docMk/>
+          <pc:sldMk cId="661757262" sldId="262"/>
+        </pc:sldMkLst>
+        <pc:spChg chg="mod">
+          <ac:chgData name="Rachel Griffard" userId="d3e6f5e3dddc052f" providerId="LiveId" clId="{5C328447-417B-4731-8F30-DE1C35E71289}" dt="2023-11-29T18:54:30.459" v="2212" actId="20577"/>
+          <ac:spMkLst>
+            <pc:docMk/>
+            <pc:sldMk cId="661757262" sldId="262"/>
+            <ac:spMk id="2" creationId="{E8BD88AA-2273-18D0-0652-1D4226578DEF}"/>
+          </ac:spMkLst>
+        </pc:spChg>
+        <pc:spChg chg="mod">
+          <ac:chgData name="Rachel Griffard" userId="d3e6f5e3dddc052f" providerId="LiveId" clId="{5C328447-417B-4731-8F30-DE1C35E71289}" dt="2023-11-29T18:54:55.134" v="2336"/>
+          <ac:spMkLst>
+            <pc:docMk/>
+            <pc:sldMk cId="661757262" sldId="262"/>
+            <ac:spMk id="3" creationId="{E3FFCD95-FB8C-1A50-049F-092CB6E29CC7}"/>
+          </ac:spMkLst>
+        </pc:spChg>
       </pc:sldChg>
     </pc:docChg>
   </pc:docChgLst>
@@ -3514,7 +3554,12 @@
             <p:ph type="ctrTitle"/>
           </p:nvPr>
         </p:nvSpPr>
-        <p:spPr/>
+        <p:spPr>
+          <a:xfrm>
+            <a:off x="922789" y="1122363"/>
+            <a:ext cx="10435905" cy="2387600"/>
+          </a:xfrm>
+        </p:spPr>
         <p:txBody>
           <a:bodyPr>
             <a:normAutofit fontScale="90000"/>
@@ -3591,7 +3636,7 @@
           <p:cNvPr id="2" name="Title 1">
             <a:extLst>
               <a:ext uri="{FF2B5EF4-FFF2-40B4-BE49-F238E27FC236}">
-                <a16:creationId xmlns:a16="http://schemas.microsoft.com/office/drawing/2014/main" id="{997BAA7A-A537-62D5-6538-9BAFC0D4371F}"/>
+                <a16:creationId xmlns:a16="http://schemas.microsoft.com/office/drawing/2014/main" id="{E8BD88AA-2273-18D0-0652-1D4226578DEF}"/>
               </a:ext>
             </a:extLst>
           </p:cNvPr>
@@ -3609,7 +3654,7 @@
           <a:p>
             <a:r>
               <a:rPr lang="en-US" dirty="0"/>
-              <a:t>Background</a:t>
+              <a:t>GitHub Repository</a:t>
             </a:r>
           </a:p>
         </p:txBody>
@@ -3619,7 +3664,7 @@
           <p:cNvPr id="3" name="Content Placeholder 2">
             <a:extLst>
               <a:ext uri="{FF2B5EF4-FFF2-40B4-BE49-F238E27FC236}">
-                <a16:creationId xmlns:a16="http://schemas.microsoft.com/office/drawing/2014/main" id="{77CC9BD9-1FD2-F49C-A30D-63B9D9C793C6}"/>
+                <a16:creationId xmlns:a16="http://schemas.microsoft.com/office/drawing/2014/main" id="{E3FFCD95-FB8C-1A50-049F-092CB6E29CC7}"/>
               </a:ext>
             </a:extLst>
           </p:cNvPr>
@@ -3632,42 +3677,35 @@
         </p:nvSpPr>
         <p:spPr/>
         <p:txBody>
-          <a:bodyPr>
-            <a:normAutofit fontScale="92500"/>
-          </a:bodyPr>
+          <a:bodyPr/>
           <a:lstStyle/>
           <a:p>
             <a:r>
               <a:rPr lang="en-US" dirty="0"/>
-              <a:t>These data were drawn from individuals with human immunodeficiency virus (HIV). The control group were not using medication at inclusion, while the treatment group were on an anti-inflammatory </a:t>
+              <a:t>This PowerPoint, the data, and the </a:t>
             </a:r>
             <a:r>
               <a:rPr lang="en-US" dirty="0" err="1"/>
-              <a:t>cART</a:t>
+              <a:t>flexdashboard</a:t>
             </a:r>
             <a:r>
               <a:rPr lang="en-US" dirty="0"/>
-              <a:t> treatment. Samples were run through monocyte-only RNA expression profiling. This dashboard uses a subset of the first 4000 genes for efficiency.</a:t>
-            </a:r>
-          </a:p>
-          <a:p>
-            <a:r>
-              <a:rPr lang="en-US" dirty="0"/>
-              <a:t>The differences in expression between these groups can provide interesting information about the impact of the treatment on the disease.</a:t>
-            </a:r>
-          </a:p>
-          <a:p>
-            <a:r>
-              <a:rPr lang="en-US" b="1" dirty="0"/>
-              <a:t>This dashboard provides insight into the importance and impact of decisions of distance measures and numbers of groups/cut-offs for clustering and visualizations.</a:t>
-            </a:r>
+              <a:t> can all be accessed through this repository </a:t>
+            </a:r>
+            <a:r>
+              <a:rPr lang="en-US" dirty="0">
+                <a:hlinkClick r:id="rId2"/>
+              </a:rPr>
+              <a:t>https://github.com/rachelgriffard/HDSC824_Final</a:t>
+            </a:r>
+            <a:endParaRPr lang="en-US" dirty="0"/>
           </a:p>
         </p:txBody>
       </p:sp>
     </p:spTree>
     <p:extLst>
       <p:ext uri="{BB962C8B-B14F-4D97-AF65-F5344CB8AC3E}">
-        <p14:creationId xmlns:p14="http://schemas.microsoft.com/office/powerpoint/2010/main" val="2031879856"/>
+        <p14:creationId xmlns:p14="http://schemas.microsoft.com/office/powerpoint/2010/main" val="661757262"/>
       </p:ext>
     </p:extLst>
   </p:cSld>
@@ -3699,7 +3737,7 @@
           <p:cNvPr id="2" name="Title 1">
             <a:extLst>
               <a:ext uri="{FF2B5EF4-FFF2-40B4-BE49-F238E27FC236}">
-                <a16:creationId xmlns:a16="http://schemas.microsoft.com/office/drawing/2014/main" id="{479C3F6D-EF77-F6AA-5BB6-297971B37213}"/>
+                <a16:creationId xmlns:a16="http://schemas.microsoft.com/office/drawing/2014/main" id="{997BAA7A-A537-62D5-6538-9BAFC0D4371F}"/>
               </a:ext>
             </a:extLst>
           </p:cNvPr>
@@ -3717,7 +3755,7 @@
           <a:p>
             <a:r>
               <a:rPr lang="en-US" dirty="0"/>
-              <a:t>Data</a:t>
+              <a:t>Background</a:t>
             </a:r>
           </a:p>
         </p:txBody>
@@ -3727,7 +3765,7 @@
           <p:cNvPr id="3" name="Content Placeholder 2">
             <a:extLst>
               <a:ext uri="{FF2B5EF4-FFF2-40B4-BE49-F238E27FC236}">
-                <a16:creationId xmlns:a16="http://schemas.microsoft.com/office/drawing/2014/main" id="{6D133E7B-2AAE-1394-9BE4-45EDAF650863}"/>
+                <a16:creationId xmlns:a16="http://schemas.microsoft.com/office/drawing/2014/main" id="{77CC9BD9-1FD2-F49C-A30D-63B9D9C793C6}"/>
               </a:ext>
             </a:extLst>
           </p:cNvPr>
@@ -3740,18 +3778,34 @@
         </p:nvSpPr>
         <p:spPr/>
         <p:txBody>
-          <a:bodyPr/>
+          <a:bodyPr>
+            <a:normAutofit fontScale="92500"/>
+          </a:bodyPr>
           <a:lstStyle/>
           <a:p>
             <a:r>
               <a:rPr lang="en-US" dirty="0"/>
-              <a:t>The data used in this dashboard is the normalized RNA sequencing counts retrieved from the Gene Expression Omnibus under GSE160184 and were published in Chronic HIV infection induces transcriptional and functional reprogramming of innate immune cells (van der Heijden et al., 2021). </a:t>
-            </a:r>
-          </a:p>
-          <a:p>
+              <a:t>These data were drawn from individuals with human immunodeficiency virus (HIV). The control group were not using medication at inclusion, while the treatment group were on an anti-inflammatory </a:t>
+            </a:r>
+            <a:r>
+              <a:rPr lang="en-US" dirty="0" err="1"/>
+              <a:t>cART</a:t>
+            </a:r>
             <a:r>
               <a:rPr lang="en-US" dirty="0"/>
-              <a:t>The first 4000 features were included for efficiency in the dashboard, but users can delete this in the script to run the whole set, if preferred.</a:t>
+              <a:t> treatment. Samples were run through monocyte-only RNA expression profiling. This dashboard uses a subset of the first 4000 genes for efficiency.</a:t>
+            </a:r>
+          </a:p>
+          <a:p>
+            <a:r>
+              <a:rPr lang="en-US" dirty="0"/>
+              <a:t>The differences in expression between these groups can provide interesting information about the impact of the treatment on the disease.</a:t>
+            </a:r>
+          </a:p>
+          <a:p>
+            <a:r>
+              <a:rPr lang="en-US" b="1" dirty="0"/>
+              <a:t>This dashboard provides insight into the importance and impact of decisions of distance measures and numbers of groups/cut-offs for clustering and visualizations.</a:t>
             </a:r>
           </a:p>
         </p:txBody>
@@ -3759,7 +3813,7 @@
     </p:spTree>
     <p:extLst>
       <p:ext uri="{BB962C8B-B14F-4D97-AF65-F5344CB8AC3E}">
-        <p14:creationId xmlns:p14="http://schemas.microsoft.com/office/powerpoint/2010/main" val="3392176900"/>
+        <p14:creationId xmlns:p14="http://schemas.microsoft.com/office/powerpoint/2010/main" val="2031879856"/>
       </p:ext>
     </p:extLst>
   </p:cSld>
@@ -3791,7 +3845,7 @@
           <p:cNvPr id="2" name="Title 1">
             <a:extLst>
               <a:ext uri="{FF2B5EF4-FFF2-40B4-BE49-F238E27FC236}">
-                <a16:creationId xmlns:a16="http://schemas.microsoft.com/office/drawing/2014/main" id="{011DD925-4596-066E-E65B-5F568B207211}"/>
+                <a16:creationId xmlns:a16="http://schemas.microsoft.com/office/drawing/2014/main" id="{479C3F6D-EF77-F6AA-5BB6-297971B37213}"/>
               </a:ext>
             </a:extLst>
           </p:cNvPr>
@@ -3809,7 +3863,7 @@
           <a:p>
             <a:r>
               <a:rPr lang="en-US" dirty="0"/>
-              <a:t>Principles of design</a:t>
+              <a:t>Data</a:t>
             </a:r>
           </a:p>
         </p:txBody>
@@ -3819,7 +3873,7 @@
           <p:cNvPr id="3" name="Content Placeholder 2">
             <a:extLst>
               <a:ext uri="{FF2B5EF4-FFF2-40B4-BE49-F238E27FC236}">
-                <a16:creationId xmlns:a16="http://schemas.microsoft.com/office/drawing/2014/main" id="{BABF52D5-D879-0D69-38D1-E2D1368332F2}"/>
+                <a16:creationId xmlns:a16="http://schemas.microsoft.com/office/drawing/2014/main" id="{6D133E7B-2AAE-1394-9BE4-45EDAF650863}"/>
               </a:ext>
             </a:extLst>
           </p:cNvPr>
@@ -3837,25 +3891,13 @@
           <a:p>
             <a:r>
               <a:rPr lang="en-US" dirty="0"/>
-              <a:t>This dashboard aims to make the visualizations as clear as possible. First, it does not include unnecessary marks or channels that might clutter the point.</a:t>
+              <a:t>The data used in this dashboard is the normalized RNA sequencing counts retrieved from the Gene Expression Omnibus under GSE160184 and were published in Chronic HIV infection induces transcriptional and functional reprogramming of innate immune cells (van der Heijden et al., 2021). </a:t>
             </a:r>
           </a:p>
           <a:p>
             <a:r>
               <a:rPr lang="en-US" dirty="0"/>
-              <a:t>In the K-means plot, the use of both shape and color to indicate the locations of the clusters provides greater clarity for the user.</a:t>
-            </a:r>
-          </a:p>
-          <a:p>
-            <a:r>
-              <a:rPr lang="en-US" dirty="0"/>
-              <a:t>The use of multiple pages to separate the explanation and summary of the data and the analysis makes the dashboard more organized.</a:t>
-            </a:r>
-          </a:p>
-          <a:p>
-            <a:r>
-              <a:rPr lang="en-US" dirty="0"/>
-              <a:t>The splitting of tabs for the heatmap, dendrogram, and K-means clustering visualizations ensures that the size of the plots is appropriate for users and only one plot is up at a time.</a:t>
+              <a:t>The first 4000 features were included for efficiency in the dashboard, but users can delete this in the script to run the whole set, if preferred.</a:t>
             </a:r>
           </a:p>
         </p:txBody>
@@ -3863,7 +3905,7 @@
     </p:spTree>
     <p:extLst>
       <p:ext uri="{BB962C8B-B14F-4D97-AF65-F5344CB8AC3E}">
-        <p14:creationId xmlns:p14="http://schemas.microsoft.com/office/powerpoint/2010/main" val="3725995933"/>
+        <p14:creationId xmlns:p14="http://schemas.microsoft.com/office/powerpoint/2010/main" val="3392176900"/>
       </p:ext>
     </p:extLst>
   </p:cSld>
@@ -3895,6 +3937,110 @@
           <p:cNvPr id="2" name="Title 1">
             <a:extLst>
               <a:ext uri="{FF2B5EF4-FFF2-40B4-BE49-F238E27FC236}">
+                <a16:creationId xmlns:a16="http://schemas.microsoft.com/office/drawing/2014/main" id="{011DD925-4596-066E-E65B-5F568B207211}"/>
+              </a:ext>
+            </a:extLst>
+          </p:cNvPr>
+          <p:cNvSpPr>
+            <a:spLocks noGrp="1"/>
+          </p:cNvSpPr>
+          <p:nvPr>
+            <p:ph type="title"/>
+          </p:nvPr>
+        </p:nvSpPr>
+        <p:spPr/>
+        <p:txBody>
+          <a:bodyPr/>
+          <a:lstStyle/>
+          <a:p>
+            <a:r>
+              <a:rPr lang="en-US" dirty="0"/>
+              <a:t>Principles of design</a:t>
+            </a:r>
+          </a:p>
+        </p:txBody>
+      </p:sp>
+      <p:sp>
+        <p:nvSpPr>
+          <p:cNvPr id="3" name="Content Placeholder 2">
+            <a:extLst>
+              <a:ext uri="{FF2B5EF4-FFF2-40B4-BE49-F238E27FC236}">
+                <a16:creationId xmlns:a16="http://schemas.microsoft.com/office/drawing/2014/main" id="{BABF52D5-D879-0D69-38D1-E2D1368332F2}"/>
+              </a:ext>
+            </a:extLst>
+          </p:cNvPr>
+          <p:cNvSpPr>
+            <a:spLocks noGrp="1"/>
+          </p:cNvSpPr>
+          <p:nvPr>
+            <p:ph idx="1"/>
+          </p:nvPr>
+        </p:nvSpPr>
+        <p:spPr/>
+        <p:txBody>
+          <a:bodyPr/>
+          <a:lstStyle/>
+          <a:p>
+            <a:r>
+              <a:rPr lang="en-US" dirty="0"/>
+              <a:t>This dashboard aims to make the visualizations as clear as possible. First, it does not include unnecessary marks or channels that might clutter the point.</a:t>
+            </a:r>
+          </a:p>
+          <a:p>
+            <a:r>
+              <a:rPr lang="en-US" dirty="0"/>
+              <a:t>In the K-means plot, the use of both shape and color to indicate the locations of the clusters provides greater clarity for the user.</a:t>
+            </a:r>
+          </a:p>
+          <a:p>
+            <a:r>
+              <a:rPr lang="en-US" dirty="0"/>
+              <a:t>The use of multiple pages to separate the explanation and summary of the data and the analysis makes the dashboard more organized.</a:t>
+            </a:r>
+          </a:p>
+          <a:p>
+            <a:r>
+              <a:rPr lang="en-US" dirty="0"/>
+              <a:t>The splitting of tabs for the heatmap, dendrogram, and K-means clustering visualizations ensures that the size of the plots is appropriate for users and only one plot is up at a time.</a:t>
+            </a:r>
+          </a:p>
+        </p:txBody>
+      </p:sp>
+    </p:spTree>
+    <p:extLst>
+      <p:ext uri="{BB962C8B-B14F-4D97-AF65-F5344CB8AC3E}">
+        <p14:creationId xmlns:p14="http://schemas.microsoft.com/office/powerpoint/2010/main" val="3725995933"/>
+      </p:ext>
+    </p:extLst>
+  </p:cSld>
+  <p:clrMapOvr>
+    <a:masterClrMapping/>
+  </p:clrMapOvr>
+</p:sld>
+</file>
+
+<file path=ppt/slides/slide6.xml><?xml version="1.0" encoding="utf-8"?>
+<p:sld xmlns:a="http://schemas.openxmlformats.org/drawingml/2006/main" xmlns:r="http://schemas.openxmlformats.org/officeDocument/2006/relationships" xmlns:p="http://schemas.openxmlformats.org/presentationml/2006/main">
+  <p:cSld>
+    <p:spTree>
+      <p:nvGrpSpPr>
+        <p:cNvPr id="1" name=""/>
+        <p:cNvGrpSpPr/>
+        <p:nvPr/>
+      </p:nvGrpSpPr>
+      <p:grpSpPr>
+        <a:xfrm>
+          <a:off x="0" y="0"/>
+          <a:ext cx="0" cy="0"/>
+          <a:chOff x="0" y="0"/>
+          <a:chExt cx="0" cy="0"/>
+        </a:xfrm>
+      </p:grpSpPr>
+      <p:sp>
+        <p:nvSpPr>
+          <p:cNvPr id="2" name="Title 1">
+            <a:extLst>
+              <a:ext uri="{FF2B5EF4-FFF2-40B4-BE49-F238E27FC236}">
                 <a16:creationId xmlns:a16="http://schemas.microsoft.com/office/drawing/2014/main" id="{C1FF2641-1856-98D5-A486-D571A4F92294}"/>
               </a:ext>
             </a:extLst>
@@ -3971,7 +4117,7 @@
 </p:sld>
 </file>
 
-<file path=ppt/slides/slide6.xml><?xml version="1.0" encoding="utf-8"?>
+<file path=ppt/slides/slide7.xml><?xml version="1.0" encoding="utf-8"?>
 <p:sld xmlns:a="http://schemas.openxmlformats.org/drawingml/2006/main" xmlns:r="http://schemas.openxmlformats.org/officeDocument/2006/relationships" xmlns:p="http://schemas.openxmlformats.org/presentationml/2006/main">
   <p:cSld>
     <p:spTree>
